--- a/airport runway diagram.pptx
+++ b/airport runway diagram.pptx
@@ -104,6 +104,11 @@
       </a:defRPr>
     </a:lvl9pPr>
   </p:defaultTextStyle>
+  <p:extLst>
+    <p:ext uri="{EFAFB233-063F-42B5-8137-9DF3F51BA10A}">
+      <p15:sldGuideLst xmlns:p15="http://schemas.microsoft.com/office/powerpoint/2012/main"/>
+    </p:ext>
+  </p:extLst>
 </p:presentation>
 </file>
 
@@ -254,7 +259,7 @@
           <a:p>
             <a:fld id="{9B471A78-73FD-407F-8059-3457902D6957}" type="datetimeFigureOut">
               <a:rPr lang="en-US" smtClean="0"/>
-              <a:t>3/10/2024</a:t>
+              <a:t>3/19/2024</a:t>
             </a:fld>
             <a:endParaRPr lang="en-US"/>
           </a:p>
@@ -452,7 +457,7 @@
           <a:p>
             <a:fld id="{9B471A78-73FD-407F-8059-3457902D6957}" type="datetimeFigureOut">
               <a:rPr lang="en-US" smtClean="0"/>
-              <a:t>3/10/2024</a:t>
+              <a:t>3/19/2024</a:t>
             </a:fld>
             <a:endParaRPr lang="en-US"/>
           </a:p>
@@ -660,7 +665,7 @@
           <a:p>
             <a:fld id="{9B471A78-73FD-407F-8059-3457902D6957}" type="datetimeFigureOut">
               <a:rPr lang="en-US" smtClean="0"/>
-              <a:t>3/10/2024</a:t>
+              <a:t>3/19/2024</a:t>
             </a:fld>
             <a:endParaRPr lang="en-US"/>
           </a:p>
@@ -858,7 +863,7 @@
           <a:p>
             <a:fld id="{9B471A78-73FD-407F-8059-3457902D6957}" type="datetimeFigureOut">
               <a:rPr lang="en-US" smtClean="0"/>
-              <a:t>3/10/2024</a:t>
+              <a:t>3/19/2024</a:t>
             </a:fld>
             <a:endParaRPr lang="en-US"/>
           </a:p>
@@ -1133,7 +1138,7 @@
           <a:p>
             <a:fld id="{9B471A78-73FD-407F-8059-3457902D6957}" type="datetimeFigureOut">
               <a:rPr lang="en-US" smtClean="0"/>
-              <a:t>3/10/2024</a:t>
+              <a:t>3/19/2024</a:t>
             </a:fld>
             <a:endParaRPr lang="en-US"/>
           </a:p>
@@ -1398,7 +1403,7 @@
           <a:p>
             <a:fld id="{9B471A78-73FD-407F-8059-3457902D6957}" type="datetimeFigureOut">
               <a:rPr lang="en-US" smtClean="0"/>
-              <a:t>3/10/2024</a:t>
+              <a:t>3/19/2024</a:t>
             </a:fld>
             <a:endParaRPr lang="en-US"/>
           </a:p>
@@ -1810,7 +1815,7 @@
           <a:p>
             <a:fld id="{9B471A78-73FD-407F-8059-3457902D6957}" type="datetimeFigureOut">
               <a:rPr lang="en-US" smtClean="0"/>
-              <a:t>3/10/2024</a:t>
+              <a:t>3/19/2024</a:t>
             </a:fld>
             <a:endParaRPr lang="en-US"/>
           </a:p>
@@ -1951,7 +1956,7 @@
           <a:p>
             <a:fld id="{9B471A78-73FD-407F-8059-3457902D6957}" type="datetimeFigureOut">
               <a:rPr lang="en-US" smtClean="0"/>
-              <a:t>3/10/2024</a:t>
+              <a:t>3/19/2024</a:t>
             </a:fld>
             <a:endParaRPr lang="en-US"/>
           </a:p>
@@ -2064,7 +2069,7 @@
           <a:p>
             <a:fld id="{9B471A78-73FD-407F-8059-3457902D6957}" type="datetimeFigureOut">
               <a:rPr lang="en-US" smtClean="0"/>
-              <a:t>3/10/2024</a:t>
+              <a:t>3/19/2024</a:t>
             </a:fld>
             <a:endParaRPr lang="en-US"/>
           </a:p>
@@ -2375,7 +2380,7 @@
           <a:p>
             <a:fld id="{9B471A78-73FD-407F-8059-3457902D6957}" type="datetimeFigureOut">
               <a:rPr lang="en-US" smtClean="0"/>
-              <a:t>3/10/2024</a:t>
+              <a:t>3/19/2024</a:t>
             </a:fld>
             <a:endParaRPr lang="en-US"/>
           </a:p>
@@ -2663,7 +2668,7 @@
           <a:p>
             <a:fld id="{9B471A78-73FD-407F-8059-3457902D6957}" type="datetimeFigureOut">
               <a:rPr lang="en-US" smtClean="0"/>
-              <a:t>3/10/2024</a:t>
+              <a:t>3/19/2024</a:t>
             </a:fld>
             <a:endParaRPr lang="en-US"/>
           </a:p>
@@ -2904,7 +2909,7 @@
           <a:p>
             <a:fld id="{9B471A78-73FD-407F-8059-3457902D6957}" type="datetimeFigureOut">
               <a:rPr lang="en-US" smtClean="0"/>
-              <a:t>3/10/2024</a:t>
+              <a:t>3/19/2024</a:t>
             </a:fld>
             <a:endParaRPr lang="en-US"/>
           </a:p>
@@ -3472,7 +3477,7 @@
             <a:pPr algn="ctr"/>
             <a:r>
               <a:rPr lang="en-US" dirty="0"/>
-              <a:t>For loop till it reach the end of simulation length</a:t>
+              <a:t>Loop till it reach the end of simulation length</a:t>
             </a:r>
           </a:p>
         </p:txBody>
@@ -3491,8 +3496,8 @@
         </p:nvSpPr>
         <p:spPr>
           <a:xfrm>
-            <a:off x="4534662" y="3268980"/>
-            <a:ext cx="2121408" cy="1514856"/>
+            <a:off x="4591439" y="2674429"/>
+            <a:ext cx="1330112" cy="1110234"/>
           </a:xfrm>
           <a:prstGeom prst="rect">
             <a:avLst/>
@@ -3525,8 +3530,8 @@
           <a:p>
             <a:pPr algn="ctr"/>
             <a:r>
-              <a:rPr lang="en-US" dirty="0"/>
-              <a:t>Generate chance of airplane coming for landing and going to take off</a:t>
+              <a:rPr lang="en-US" sz="1050" dirty="0"/>
+              <a:t>Generate chance of airplane coming for landing and going to take off, then put them into their queues</a:t>
             </a:r>
           </a:p>
         </p:txBody>
@@ -3545,8 +3550,8 @@
         </p:nvSpPr>
         <p:spPr>
           <a:xfrm>
-            <a:off x="6953250" y="3268980"/>
-            <a:ext cx="2121408" cy="1514856"/>
+            <a:off x="6458333" y="1636395"/>
+            <a:ext cx="1090767" cy="896874"/>
           </a:xfrm>
           <a:prstGeom prst="rect">
             <a:avLst/>
@@ -3579,8 +3584,8 @@
           <a:p>
             <a:pPr algn="ctr"/>
             <a:r>
-              <a:rPr lang="en-US" dirty="0"/>
-              <a:t>Check if runway busy for either landing or take off</a:t>
+              <a:rPr lang="en-US" sz="1000" dirty="0"/>
+              <a:t>Check if landing or take off runway is good for landing</a:t>
             </a:r>
           </a:p>
         </p:txBody>
@@ -3599,8 +3604,8 @@
         </p:nvSpPr>
         <p:spPr>
           <a:xfrm>
-            <a:off x="9357360" y="3268980"/>
-            <a:ext cx="2121408" cy="1514856"/>
+            <a:off x="10283547" y="2546222"/>
+            <a:ext cx="1487026" cy="1110234"/>
           </a:xfrm>
           <a:prstGeom prst="rect">
             <a:avLst/>
@@ -3633,8 +3638,8 @@
           <a:p>
             <a:pPr algn="ctr"/>
             <a:r>
-              <a:rPr lang="en-US" dirty="0"/>
-              <a:t>Waiting for time to cooldown to process the next airplane</a:t>
+              <a:rPr lang="en-US" sz="1100" dirty="0"/>
+              <a:t>Time cooldown decrease by 1 each loop</a:t>
             </a:r>
           </a:p>
         </p:txBody>
@@ -3737,8 +3742,8 @@
         </p:nvSpPr>
         <p:spPr>
           <a:xfrm>
-            <a:off x="4229100" y="3066288"/>
-            <a:ext cx="320040" cy="2145792"/>
+            <a:off x="4229099" y="1732788"/>
+            <a:ext cx="370311" cy="3479292"/>
           </a:xfrm>
           <a:prstGeom prst="leftBrace">
             <a:avLst/>
@@ -3781,8 +3786,8 @@
         </p:nvSpPr>
         <p:spPr>
           <a:xfrm>
-            <a:off x="11478768" y="3066288"/>
-            <a:ext cx="454152" cy="2145792"/>
+            <a:off x="11636836" y="1773936"/>
+            <a:ext cx="577373" cy="3438144"/>
           </a:xfrm>
           <a:prstGeom prst="rightBrace">
             <a:avLst/>
@@ -3828,51 +3833,9 @@
           <p:nvPr/>
         </p:nvCxnSpPr>
         <p:spPr>
-          <a:xfrm>
-            <a:off x="6656070" y="4026408"/>
-            <a:ext cx="297180" cy="0"/>
-          </a:xfrm>
-          <a:prstGeom prst="straightConnector1">
-            <a:avLst/>
-          </a:prstGeom>
-          <a:ln>
-            <a:tailEnd type="triangle"/>
-          </a:ln>
-        </p:spPr>
-        <p:style>
-          <a:lnRef idx="2">
-            <a:schemeClr val="accent1"/>
-          </a:lnRef>
-          <a:fillRef idx="0">
-            <a:schemeClr val="accent1"/>
-          </a:fillRef>
-          <a:effectRef idx="1">
-            <a:schemeClr val="accent1"/>
-          </a:effectRef>
-          <a:fontRef idx="minor">
-            <a:schemeClr val="tx1"/>
-          </a:fontRef>
-        </p:style>
-      </p:cxnSp>
-      <p:cxnSp>
-        <p:nvCxnSpPr>
-          <p:cNvPr id="20" name="Straight Arrow Connector 19">
-            <a:extLst>
-              <a:ext uri="{FF2B5EF4-FFF2-40B4-BE49-F238E27FC236}">
-                <a16:creationId xmlns:a16="http://schemas.microsoft.com/office/drawing/2014/main" id="{E68ED080-07AF-5BA0-B05A-661A58BB3504}"/>
-              </a:ext>
-            </a:extLst>
-          </p:cNvPr>
-          <p:cNvCxnSpPr>
-            <a:stCxn id="8" idx="3"/>
-            <a:endCxn id="9" idx="1"/>
-          </p:cNvCxnSpPr>
-          <p:nvPr/>
-        </p:nvCxnSpPr>
-        <p:spPr>
-          <a:xfrm>
-            <a:off x="9074658" y="4026408"/>
-            <a:ext cx="282702" cy="0"/>
+          <a:xfrm flipV="1">
+            <a:off x="5921551" y="2084832"/>
+            <a:ext cx="536782" cy="1144714"/>
           </a:xfrm>
           <a:prstGeom prst="straightConnector1">
             <a:avLst/>
@@ -4322,6 +4285,801 @@
             <a:r>
               <a:rPr lang="en-US" dirty="0"/>
               <a:t>No</a:t>
+            </a:r>
+          </a:p>
+        </p:txBody>
+      </p:sp>
+      <p:sp>
+        <p:nvSpPr>
+          <p:cNvPr id="13" name="Rectangle 12">
+            <a:extLst>
+              <a:ext uri="{FF2B5EF4-FFF2-40B4-BE49-F238E27FC236}">
+                <a16:creationId xmlns:a16="http://schemas.microsoft.com/office/drawing/2014/main" id="{B074E739-A714-E447-D522-3B3C4C868BA0}"/>
+              </a:ext>
+            </a:extLst>
+          </p:cNvPr>
+          <p:cNvSpPr/>
+          <p:nvPr/>
+        </p:nvSpPr>
+        <p:spPr>
+          <a:xfrm>
+            <a:off x="7892275" y="1636395"/>
+            <a:ext cx="841960" cy="896874"/>
+          </a:xfrm>
+          <a:prstGeom prst="rect">
+            <a:avLst/>
+          </a:prstGeom>
+          <a:solidFill>
+            <a:schemeClr val="accent2">
+              <a:lumMod val="75000"/>
+            </a:schemeClr>
+          </a:solidFill>
+        </p:spPr>
+        <p:style>
+          <a:lnRef idx="2">
+            <a:schemeClr val="accent1">
+              <a:shade val="15000"/>
+            </a:schemeClr>
+          </a:lnRef>
+          <a:fillRef idx="1">
+            <a:schemeClr val="accent1"/>
+          </a:fillRef>
+          <a:effectRef idx="0">
+            <a:schemeClr val="accent1"/>
+          </a:effectRef>
+          <a:fontRef idx="minor">
+            <a:schemeClr val="lt1"/>
+          </a:fontRef>
+        </p:style>
+        <p:txBody>
+          <a:bodyPr rtlCol="0" anchor="ctr"/>
+          <a:lstStyle/>
+          <a:p>
+            <a:pPr algn="ctr"/>
+            <a:r>
+              <a:rPr lang="en-US" sz="1000" dirty="0"/>
+              <a:t>Airplanes in landing queue use it</a:t>
+            </a:r>
+          </a:p>
+        </p:txBody>
+      </p:sp>
+      <p:sp>
+        <p:nvSpPr>
+          <p:cNvPr id="19" name="Rectangle 18">
+            <a:extLst>
+              <a:ext uri="{FF2B5EF4-FFF2-40B4-BE49-F238E27FC236}">
+                <a16:creationId xmlns:a16="http://schemas.microsoft.com/office/drawing/2014/main" id="{0CE45A48-E4AA-1C60-407C-A5ADB0FD7B5D}"/>
+              </a:ext>
+            </a:extLst>
+          </p:cNvPr>
+          <p:cNvSpPr/>
+          <p:nvPr/>
+        </p:nvSpPr>
+        <p:spPr>
+          <a:xfrm>
+            <a:off x="6454750" y="3826384"/>
+            <a:ext cx="1097931" cy="896875"/>
+          </a:xfrm>
+          <a:prstGeom prst="rect">
+            <a:avLst/>
+          </a:prstGeom>
+          <a:solidFill>
+            <a:schemeClr val="accent2">
+              <a:lumMod val="75000"/>
+            </a:schemeClr>
+          </a:solidFill>
+        </p:spPr>
+        <p:style>
+          <a:lnRef idx="2">
+            <a:schemeClr val="accent1">
+              <a:shade val="15000"/>
+            </a:schemeClr>
+          </a:lnRef>
+          <a:fillRef idx="1">
+            <a:schemeClr val="accent1"/>
+          </a:fillRef>
+          <a:effectRef idx="0">
+            <a:schemeClr val="accent1"/>
+          </a:effectRef>
+          <a:fontRef idx="minor">
+            <a:schemeClr val="lt1"/>
+          </a:fontRef>
+        </p:style>
+        <p:txBody>
+          <a:bodyPr rtlCol="0" anchor="ctr"/>
+          <a:lstStyle/>
+          <a:p>
+            <a:pPr algn="ctr"/>
+            <a:r>
+              <a:rPr lang="en-US" sz="1000" dirty="0"/>
+              <a:t>Check if take off runway is good for take off</a:t>
+            </a:r>
+          </a:p>
+        </p:txBody>
+      </p:sp>
+      <p:cxnSp>
+        <p:nvCxnSpPr>
+          <p:cNvPr id="21" name="Straight Arrow Connector 20">
+            <a:extLst>
+              <a:ext uri="{FF2B5EF4-FFF2-40B4-BE49-F238E27FC236}">
+                <a16:creationId xmlns:a16="http://schemas.microsoft.com/office/drawing/2014/main" id="{ABEBAD09-1A85-B3CF-6892-531F611FE4C7}"/>
+              </a:ext>
+            </a:extLst>
+          </p:cNvPr>
+          <p:cNvCxnSpPr>
+            <a:cxnSpLocks/>
+            <a:stCxn id="7" idx="3"/>
+            <a:endCxn id="19" idx="1"/>
+          </p:cNvCxnSpPr>
+          <p:nvPr/>
+        </p:nvCxnSpPr>
+        <p:spPr>
+          <a:xfrm>
+            <a:off x="5921551" y="3229546"/>
+            <a:ext cx="533199" cy="1045276"/>
+          </a:xfrm>
+          <a:prstGeom prst="straightConnector1">
+            <a:avLst/>
+          </a:prstGeom>
+          <a:ln>
+            <a:tailEnd type="triangle"/>
+          </a:ln>
+        </p:spPr>
+        <p:style>
+          <a:lnRef idx="2">
+            <a:schemeClr val="accent1"/>
+          </a:lnRef>
+          <a:fillRef idx="0">
+            <a:schemeClr val="accent1"/>
+          </a:fillRef>
+          <a:effectRef idx="1">
+            <a:schemeClr val="accent1"/>
+          </a:effectRef>
+          <a:fontRef idx="minor">
+            <a:schemeClr val="tx1"/>
+          </a:fontRef>
+        </p:style>
+      </p:cxnSp>
+      <p:sp>
+        <p:nvSpPr>
+          <p:cNvPr id="28" name="Rectangle 27">
+            <a:extLst>
+              <a:ext uri="{FF2B5EF4-FFF2-40B4-BE49-F238E27FC236}">
+                <a16:creationId xmlns:a16="http://schemas.microsoft.com/office/drawing/2014/main" id="{A2254605-B733-EC61-E6D1-D1E064D8E390}"/>
+              </a:ext>
+            </a:extLst>
+          </p:cNvPr>
+          <p:cNvSpPr/>
+          <p:nvPr/>
+        </p:nvSpPr>
+        <p:spPr>
+          <a:xfrm>
+            <a:off x="7958864" y="3826384"/>
+            <a:ext cx="809219" cy="896874"/>
+          </a:xfrm>
+          <a:prstGeom prst="rect">
+            <a:avLst/>
+          </a:prstGeom>
+          <a:solidFill>
+            <a:schemeClr val="accent2">
+              <a:lumMod val="75000"/>
+            </a:schemeClr>
+          </a:solidFill>
+        </p:spPr>
+        <p:style>
+          <a:lnRef idx="2">
+            <a:schemeClr val="accent1">
+              <a:shade val="15000"/>
+            </a:schemeClr>
+          </a:lnRef>
+          <a:fillRef idx="1">
+            <a:schemeClr val="accent1"/>
+          </a:fillRef>
+          <a:effectRef idx="0">
+            <a:schemeClr val="accent1"/>
+          </a:effectRef>
+          <a:fontRef idx="minor">
+            <a:schemeClr val="lt1"/>
+          </a:fontRef>
+        </p:style>
+        <p:txBody>
+          <a:bodyPr rtlCol="0" anchor="ctr"/>
+          <a:lstStyle/>
+          <a:p>
+            <a:pPr algn="ctr"/>
+            <a:r>
+              <a:rPr lang="en-US" sz="1000" dirty="0"/>
+              <a:t>Airplanes in take off queue use it</a:t>
+            </a:r>
+          </a:p>
+        </p:txBody>
+      </p:sp>
+      <p:cxnSp>
+        <p:nvCxnSpPr>
+          <p:cNvPr id="49" name="Straight Arrow Connector 48">
+            <a:extLst>
+              <a:ext uri="{FF2B5EF4-FFF2-40B4-BE49-F238E27FC236}">
+                <a16:creationId xmlns:a16="http://schemas.microsoft.com/office/drawing/2014/main" id="{5B3B3FF6-515F-E8BE-C42A-FAAC44742153}"/>
+              </a:ext>
+            </a:extLst>
+          </p:cNvPr>
+          <p:cNvCxnSpPr>
+            <a:cxnSpLocks/>
+            <a:stCxn id="8" idx="3"/>
+            <a:endCxn id="13" idx="1"/>
+          </p:cNvCxnSpPr>
+          <p:nvPr/>
+        </p:nvCxnSpPr>
+        <p:spPr>
+          <a:xfrm>
+            <a:off x="7549100" y="2084832"/>
+            <a:ext cx="343175" cy="0"/>
+          </a:xfrm>
+          <a:prstGeom prst="straightConnector1">
+            <a:avLst/>
+          </a:prstGeom>
+          <a:ln>
+            <a:tailEnd type="triangle"/>
+          </a:ln>
+        </p:spPr>
+        <p:style>
+          <a:lnRef idx="2">
+            <a:schemeClr val="accent1"/>
+          </a:lnRef>
+          <a:fillRef idx="0">
+            <a:schemeClr val="accent1"/>
+          </a:fillRef>
+          <a:effectRef idx="1">
+            <a:schemeClr val="accent1"/>
+          </a:effectRef>
+          <a:fontRef idx="minor">
+            <a:schemeClr val="tx1"/>
+          </a:fontRef>
+        </p:style>
+      </p:cxnSp>
+      <p:cxnSp>
+        <p:nvCxnSpPr>
+          <p:cNvPr id="53" name="Straight Arrow Connector 52">
+            <a:extLst>
+              <a:ext uri="{FF2B5EF4-FFF2-40B4-BE49-F238E27FC236}">
+                <a16:creationId xmlns:a16="http://schemas.microsoft.com/office/drawing/2014/main" id="{A1BC13BC-F5AB-CE47-2345-ECC37B90CDBE}"/>
+              </a:ext>
+            </a:extLst>
+          </p:cNvPr>
+          <p:cNvCxnSpPr>
+            <a:cxnSpLocks/>
+            <a:stCxn id="19" idx="3"/>
+            <a:endCxn id="28" idx="1"/>
+          </p:cNvCxnSpPr>
+          <p:nvPr/>
+        </p:nvCxnSpPr>
+        <p:spPr>
+          <a:xfrm flipV="1">
+            <a:off x="7552681" y="4274821"/>
+            <a:ext cx="406183" cy="1"/>
+          </a:xfrm>
+          <a:prstGeom prst="straightConnector1">
+            <a:avLst/>
+          </a:prstGeom>
+          <a:ln>
+            <a:tailEnd type="triangle"/>
+          </a:ln>
+        </p:spPr>
+        <p:style>
+          <a:lnRef idx="2">
+            <a:schemeClr val="accent1"/>
+          </a:lnRef>
+          <a:fillRef idx="0">
+            <a:schemeClr val="accent1"/>
+          </a:fillRef>
+          <a:effectRef idx="1">
+            <a:schemeClr val="accent1"/>
+          </a:effectRef>
+          <a:fontRef idx="minor">
+            <a:schemeClr val="tx1"/>
+          </a:fontRef>
+        </p:style>
+      </p:cxnSp>
+      <p:cxnSp>
+        <p:nvCxnSpPr>
+          <p:cNvPr id="57" name="Straight Arrow Connector 56">
+            <a:extLst>
+              <a:ext uri="{FF2B5EF4-FFF2-40B4-BE49-F238E27FC236}">
+                <a16:creationId xmlns:a16="http://schemas.microsoft.com/office/drawing/2014/main" id="{A6E5077B-E5EA-B01F-938A-D3DB216CED89}"/>
+              </a:ext>
+            </a:extLst>
+          </p:cNvPr>
+          <p:cNvCxnSpPr>
+            <a:cxnSpLocks/>
+            <a:stCxn id="13" idx="3"/>
+            <a:endCxn id="108" idx="1"/>
+          </p:cNvCxnSpPr>
+          <p:nvPr/>
+        </p:nvCxnSpPr>
+        <p:spPr>
+          <a:xfrm>
+            <a:off x="8734235" y="2084832"/>
+            <a:ext cx="342088" cy="0"/>
+          </a:xfrm>
+          <a:prstGeom prst="straightConnector1">
+            <a:avLst/>
+          </a:prstGeom>
+          <a:ln>
+            <a:tailEnd type="triangle"/>
+          </a:ln>
+        </p:spPr>
+        <p:style>
+          <a:lnRef idx="2">
+            <a:schemeClr val="accent1"/>
+          </a:lnRef>
+          <a:fillRef idx="0">
+            <a:schemeClr val="accent1"/>
+          </a:fillRef>
+          <a:effectRef idx="1">
+            <a:schemeClr val="accent1"/>
+          </a:effectRef>
+          <a:fontRef idx="minor">
+            <a:schemeClr val="tx1"/>
+          </a:fontRef>
+        </p:style>
+      </p:cxnSp>
+      <p:cxnSp>
+        <p:nvCxnSpPr>
+          <p:cNvPr id="61" name="Straight Arrow Connector 60">
+            <a:extLst>
+              <a:ext uri="{FF2B5EF4-FFF2-40B4-BE49-F238E27FC236}">
+                <a16:creationId xmlns:a16="http://schemas.microsoft.com/office/drawing/2014/main" id="{6F4A1D4C-87F9-9D7D-6E55-304C9A2132DD}"/>
+              </a:ext>
+            </a:extLst>
+          </p:cNvPr>
+          <p:cNvCxnSpPr>
+            <a:cxnSpLocks/>
+            <a:stCxn id="28" idx="3"/>
+            <a:endCxn id="112" idx="1"/>
+          </p:cNvCxnSpPr>
+          <p:nvPr/>
+        </p:nvCxnSpPr>
+        <p:spPr>
+          <a:xfrm>
+            <a:off x="8768083" y="4274821"/>
+            <a:ext cx="318817" cy="0"/>
+          </a:xfrm>
+          <a:prstGeom prst="straightConnector1">
+            <a:avLst/>
+          </a:prstGeom>
+          <a:ln>
+            <a:tailEnd type="triangle"/>
+          </a:ln>
+        </p:spPr>
+        <p:style>
+          <a:lnRef idx="2">
+            <a:schemeClr val="accent1"/>
+          </a:lnRef>
+          <a:fillRef idx="0">
+            <a:schemeClr val="accent1"/>
+          </a:fillRef>
+          <a:effectRef idx="1">
+            <a:schemeClr val="accent1"/>
+          </a:effectRef>
+          <a:fontRef idx="minor">
+            <a:schemeClr val="tx1"/>
+          </a:fontRef>
+        </p:style>
+      </p:cxnSp>
+      <p:sp>
+        <p:nvSpPr>
+          <p:cNvPr id="108" name="Rectangle 107">
+            <a:extLst>
+              <a:ext uri="{FF2B5EF4-FFF2-40B4-BE49-F238E27FC236}">
+                <a16:creationId xmlns:a16="http://schemas.microsoft.com/office/drawing/2014/main" id="{3CEBE564-C0A8-03B8-0513-62B25DCC2076}"/>
+              </a:ext>
+            </a:extLst>
+          </p:cNvPr>
+          <p:cNvSpPr/>
+          <p:nvPr/>
+        </p:nvSpPr>
+        <p:spPr>
+          <a:xfrm>
+            <a:off x="9076323" y="1636395"/>
+            <a:ext cx="841960" cy="896874"/>
+          </a:xfrm>
+          <a:prstGeom prst="rect">
+            <a:avLst/>
+          </a:prstGeom>
+          <a:solidFill>
+            <a:schemeClr val="accent2">
+              <a:lumMod val="75000"/>
+            </a:schemeClr>
+          </a:solidFill>
+        </p:spPr>
+        <p:style>
+          <a:lnRef idx="2">
+            <a:schemeClr val="accent1">
+              <a:shade val="15000"/>
+            </a:schemeClr>
+          </a:lnRef>
+          <a:fillRef idx="1">
+            <a:schemeClr val="accent1"/>
+          </a:fillRef>
+          <a:effectRef idx="0">
+            <a:schemeClr val="accent1"/>
+          </a:effectRef>
+          <a:fontRef idx="minor">
+            <a:schemeClr val="lt1"/>
+          </a:fontRef>
+        </p:style>
+        <p:txBody>
+          <a:bodyPr rtlCol="0" anchor="ctr"/>
+          <a:lstStyle/>
+          <a:p>
+            <a:pPr algn="ctr"/>
+            <a:r>
+              <a:rPr lang="en-US" sz="1000" dirty="0"/>
+              <a:t>The used runway is on cooldown</a:t>
+            </a:r>
+          </a:p>
+        </p:txBody>
+      </p:sp>
+      <p:sp>
+        <p:nvSpPr>
+          <p:cNvPr id="112" name="Rectangle 111">
+            <a:extLst>
+              <a:ext uri="{FF2B5EF4-FFF2-40B4-BE49-F238E27FC236}">
+                <a16:creationId xmlns:a16="http://schemas.microsoft.com/office/drawing/2014/main" id="{DE8F81E8-8D1C-31F7-E354-2234490D391E}"/>
+              </a:ext>
+            </a:extLst>
+          </p:cNvPr>
+          <p:cNvSpPr/>
+          <p:nvPr/>
+        </p:nvSpPr>
+        <p:spPr>
+          <a:xfrm>
+            <a:off x="9086900" y="3826384"/>
+            <a:ext cx="841960" cy="896874"/>
+          </a:xfrm>
+          <a:prstGeom prst="rect">
+            <a:avLst/>
+          </a:prstGeom>
+          <a:solidFill>
+            <a:schemeClr val="accent2">
+              <a:lumMod val="75000"/>
+            </a:schemeClr>
+          </a:solidFill>
+        </p:spPr>
+        <p:style>
+          <a:lnRef idx="2">
+            <a:schemeClr val="accent1">
+              <a:shade val="15000"/>
+            </a:schemeClr>
+          </a:lnRef>
+          <a:fillRef idx="1">
+            <a:schemeClr val="accent1"/>
+          </a:fillRef>
+          <a:effectRef idx="0">
+            <a:schemeClr val="accent1"/>
+          </a:effectRef>
+          <a:fontRef idx="minor">
+            <a:schemeClr val="lt1"/>
+          </a:fontRef>
+        </p:style>
+        <p:txBody>
+          <a:bodyPr rtlCol="0" anchor="ctr"/>
+          <a:lstStyle/>
+          <a:p>
+            <a:pPr algn="ctr"/>
+            <a:r>
+              <a:rPr lang="en-US" sz="1000" dirty="0"/>
+              <a:t>The used runway is on cooldown</a:t>
+            </a:r>
+          </a:p>
+        </p:txBody>
+      </p:sp>
+      <p:cxnSp>
+        <p:nvCxnSpPr>
+          <p:cNvPr id="121" name="Straight Arrow Connector 120">
+            <a:extLst>
+              <a:ext uri="{FF2B5EF4-FFF2-40B4-BE49-F238E27FC236}">
+                <a16:creationId xmlns:a16="http://schemas.microsoft.com/office/drawing/2014/main" id="{75735FAB-90E6-94DB-D14D-BF2F7CAF3665}"/>
+              </a:ext>
+            </a:extLst>
+          </p:cNvPr>
+          <p:cNvCxnSpPr>
+            <a:cxnSpLocks/>
+            <a:stCxn id="108" idx="3"/>
+            <a:endCxn id="9" idx="0"/>
+          </p:cNvCxnSpPr>
+          <p:nvPr/>
+        </p:nvCxnSpPr>
+        <p:spPr>
+          <a:xfrm>
+            <a:off x="9918283" y="2084832"/>
+            <a:ext cx="1108777" cy="461390"/>
+          </a:xfrm>
+          <a:prstGeom prst="straightConnector1">
+            <a:avLst/>
+          </a:prstGeom>
+          <a:ln>
+            <a:tailEnd type="triangle"/>
+          </a:ln>
+        </p:spPr>
+        <p:style>
+          <a:lnRef idx="2">
+            <a:schemeClr val="accent1"/>
+          </a:lnRef>
+          <a:fillRef idx="0">
+            <a:schemeClr val="accent1"/>
+          </a:fillRef>
+          <a:effectRef idx="1">
+            <a:schemeClr val="accent1"/>
+          </a:effectRef>
+          <a:fontRef idx="minor">
+            <a:schemeClr val="tx1"/>
+          </a:fontRef>
+        </p:style>
+      </p:cxnSp>
+      <p:cxnSp>
+        <p:nvCxnSpPr>
+          <p:cNvPr id="124" name="Straight Arrow Connector 123">
+            <a:extLst>
+              <a:ext uri="{FF2B5EF4-FFF2-40B4-BE49-F238E27FC236}">
+                <a16:creationId xmlns:a16="http://schemas.microsoft.com/office/drawing/2014/main" id="{B683F6C5-2A5C-501B-1DA4-BDA63A7E9694}"/>
+              </a:ext>
+            </a:extLst>
+          </p:cNvPr>
+          <p:cNvCxnSpPr>
+            <a:cxnSpLocks/>
+            <a:stCxn id="112" idx="3"/>
+            <a:endCxn id="9" idx="2"/>
+          </p:cNvCxnSpPr>
+          <p:nvPr/>
+        </p:nvCxnSpPr>
+        <p:spPr>
+          <a:xfrm flipV="1">
+            <a:off x="9928860" y="3656456"/>
+            <a:ext cx="1098200" cy="618365"/>
+          </a:xfrm>
+          <a:prstGeom prst="straightConnector1">
+            <a:avLst/>
+          </a:prstGeom>
+          <a:ln>
+            <a:tailEnd type="triangle"/>
+          </a:ln>
+        </p:spPr>
+        <p:style>
+          <a:lnRef idx="2">
+            <a:schemeClr val="accent1"/>
+          </a:lnRef>
+          <a:fillRef idx="0">
+            <a:schemeClr val="accent1"/>
+          </a:fillRef>
+          <a:effectRef idx="1">
+            <a:schemeClr val="accent1"/>
+          </a:effectRef>
+          <a:fontRef idx="minor">
+            <a:schemeClr val="tx1"/>
+          </a:fontRef>
+        </p:style>
+      </p:cxnSp>
+      <p:sp>
+        <p:nvSpPr>
+          <p:cNvPr id="128" name="TextBox 127">
+            <a:extLst>
+              <a:ext uri="{FF2B5EF4-FFF2-40B4-BE49-F238E27FC236}">
+                <a16:creationId xmlns:a16="http://schemas.microsoft.com/office/drawing/2014/main" id="{DA8ABD23-C9DB-7149-545C-3361C379AB18}"/>
+              </a:ext>
+            </a:extLst>
+          </p:cNvPr>
+          <p:cNvSpPr txBox="1"/>
+          <p:nvPr/>
+        </p:nvSpPr>
+        <p:spPr>
+          <a:xfrm>
+            <a:off x="7529887" y="1814159"/>
+            <a:ext cx="687159" cy="230832"/>
+          </a:xfrm>
+          <a:prstGeom prst="rect">
+            <a:avLst/>
+          </a:prstGeom>
+          <a:noFill/>
+        </p:spPr>
+        <p:txBody>
+          <a:bodyPr wrap="square" rtlCol="0">
+            <a:spAutoFit/>
+          </a:bodyPr>
+          <a:lstStyle/>
+          <a:p>
+            <a:r>
+              <a:rPr lang="en-US" sz="900" dirty="0"/>
+              <a:t>True</a:t>
+            </a:r>
+          </a:p>
+        </p:txBody>
+      </p:sp>
+      <p:sp>
+        <p:nvSpPr>
+          <p:cNvPr id="129" name="TextBox 128">
+            <a:extLst>
+              <a:ext uri="{FF2B5EF4-FFF2-40B4-BE49-F238E27FC236}">
+                <a16:creationId xmlns:a16="http://schemas.microsoft.com/office/drawing/2014/main" id="{0659D434-D300-6422-4506-CCD8F4E5D0F8}"/>
+              </a:ext>
+            </a:extLst>
+          </p:cNvPr>
+          <p:cNvSpPr txBox="1"/>
+          <p:nvPr/>
+        </p:nvSpPr>
+        <p:spPr>
+          <a:xfrm>
+            <a:off x="7529887" y="4004147"/>
+            <a:ext cx="687159" cy="230832"/>
+          </a:xfrm>
+          <a:prstGeom prst="rect">
+            <a:avLst/>
+          </a:prstGeom>
+          <a:noFill/>
+        </p:spPr>
+        <p:txBody>
+          <a:bodyPr wrap="square" rtlCol="0">
+            <a:spAutoFit/>
+          </a:bodyPr>
+          <a:lstStyle/>
+          <a:p>
+            <a:r>
+              <a:rPr lang="en-US" sz="900" dirty="0"/>
+              <a:t>True</a:t>
+            </a:r>
+          </a:p>
+        </p:txBody>
+      </p:sp>
+      <p:cxnSp>
+        <p:nvCxnSpPr>
+          <p:cNvPr id="135" name="Connector: Elbow 134">
+            <a:extLst>
+              <a:ext uri="{FF2B5EF4-FFF2-40B4-BE49-F238E27FC236}">
+                <a16:creationId xmlns:a16="http://schemas.microsoft.com/office/drawing/2014/main" id="{ECE8321B-0393-2EC5-72A1-DE6C72F48E2A}"/>
+              </a:ext>
+            </a:extLst>
+          </p:cNvPr>
+          <p:cNvCxnSpPr>
+            <a:cxnSpLocks/>
+            <a:stCxn id="8" idx="2"/>
+          </p:cNvCxnSpPr>
+          <p:nvPr/>
+        </p:nvCxnSpPr>
+        <p:spPr>
+          <a:xfrm rot="16200000" flipH="1">
+            <a:off x="8463413" y="1073573"/>
+            <a:ext cx="360439" cy="3279830"/>
+          </a:xfrm>
+          <a:prstGeom prst="bentConnector2">
+            <a:avLst/>
+          </a:prstGeom>
+          <a:ln>
+            <a:tailEnd type="triangle"/>
+          </a:ln>
+        </p:spPr>
+        <p:style>
+          <a:lnRef idx="2">
+            <a:schemeClr val="accent1"/>
+          </a:lnRef>
+          <a:fillRef idx="0">
+            <a:schemeClr val="accent1"/>
+          </a:fillRef>
+          <a:effectRef idx="1">
+            <a:schemeClr val="accent1"/>
+          </a:effectRef>
+          <a:fontRef idx="minor">
+            <a:schemeClr val="tx1"/>
+          </a:fontRef>
+        </p:style>
+      </p:cxnSp>
+      <p:cxnSp>
+        <p:nvCxnSpPr>
+          <p:cNvPr id="136" name="Connector: Elbow 135">
+            <a:extLst>
+              <a:ext uri="{FF2B5EF4-FFF2-40B4-BE49-F238E27FC236}">
+                <a16:creationId xmlns:a16="http://schemas.microsoft.com/office/drawing/2014/main" id="{515C662A-A695-CBA7-BB1D-E638FDD4D6F7}"/>
+              </a:ext>
+            </a:extLst>
+          </p:cNvPr>
+          <p:cNvCxnSpPr>
+            <a:cxnSpLocks/>
+            <a:stCxn id="19" idx="0"/>
+          </p:cNvCxnSpPr>
+          <p:nvPr/>
+        </p:nvCxnSpPr>
+        <p:spPr>
+          <a:xfrm rot="5400000" flipH="1" flipV="1">
+            <a:off x="8425467" y="1968305"/>
+            <a:ext cx="436329" cy="3279831"/>
+          </a:xfrm>
+          <a:prstGeom prst="bentConnector2">
+            <a:avLst/>
+          </a:prstGeom>
+          <a:ln>
+            <a:tailEnd type="triangle"/>
+          </a:ln>
+        </p:spPr>
+        <p:style>
+          <a:lnRef idx="2">
+            <a:schemeClr val="accent1"/>
+          </a:lnRef>
+          <a:fillRef idx="0">
+            <a:schemeClr val="accent1"/>
+          </a:fillRef>
+          <a:effectRef idx="1">
+            <a:schemeClr val="accent1"/>
+          </a:effectRef>
+          <a:fontRef idx="minor">
+            <a:schemeClr val="tx1"/>
+          </a:fontRef>
+        </p:style>
+      </p:cxnSp>
+      <p:sp>
+        <p:nvSpPr>
+          <p:cNvPr id="140" name="TextBox 139">
+            <a:extLst>
+              <a:ext uri="{FF2B5EF4-FFF2-40B4-BE49-F238E27FC236}">
+                <a16:creationId xmlns:a16="http://schemas.microsoft.com/office/drawing/2014/main" id="{62F9B3C0-759D-D5A6-CB37-B0547C326113}"/>
+              </a:ext>
+            </a:extLst>
+          </p:cNvPr>
+          <p:cNvSpPr txBox="1"/>
+          <p:nvPr/>
+        </p:nvSpPr>
+        <p:spPr>
+          <a:xfrm>
+            <a:off x="7005475" y="2623034"/>
+            <a:ext cx="687159" cy="230832"/>
+          </a:xfrm>
+          <a:prstGeom prst="rect">
+            <a:avLst/>
+          </a:prstGeom>
+          <a:noFill/>
+        </p:spPr>
+        <p:txBody>
+          <a:bodyPr wrap="square" rtlCol="0">
+            <a:spAutoFit/>
+          </a:bodyPr>
+          <a:lstStyle/>
+          <a:p>
+            <a:r>
+              <a:rPr lang="en-US" sz="900" dirty="0"/>
+              <a:t>False</a:t>
+            </a:r>
+          </a:p>
+        </p:txBody>
+      </p:sp>
+      <p:sp>
+        <p:nvSpPr>
+          <p:cNvPr id="141" name="TextBox 140">
+            <a:extLst>
+              <a:ext uri="{FF2B5EF4-FFF2-40B4-BE49-F238E27FC236}">
+                <a16:creationId xmlns:a16="http://schemas.microsoft.com/office/drawing/2014/main" id="{0B1FDA10-E557-8EFA-4CA1-AB053DBCFC43}"/>
+              </a:ext>
+            </a:extLst>
+          </p:cNvPr>
+          <p:cNvSpPr txBox="1"/>
+          <p:nvPr/>
+        </p:nvSpPr>
+        <p:spPr>
+          <a:xfrm>
+            <a:off x="7020104" y="3400451"/>
+            <a:ext cx="687159" cy="230832"/>
+          </a:xfrm>
+          <a:prstGeom prst="rect">
+            <a:avLst/>
+          </a:prstGeom>
+          <a:noFill/>
+        </p:spPr>
+        <p:txBody>
+          <a:bodyPr wrap="square" rtlCol="0">
+            <a:spAutoFit/>
+          </a:bodyPr>
+          <a:lstStyle/>
+          <a:p>
+            <a:r>
+              <a:rPr lang="en-US" sz="900" dirty="0"/>
+              <a:t>False</a:t>
             </a:r>
           </a:p>
         </p:txBody>
